--- a/Crime Analysis.pptx
+++ b/Crime Analysis.pptx
@@ -118,7 +118,7 @@
   </p:defaultTextStyle>
   <p:extLst>
     <p:ext uri="{EFAFB233-063F-42B5-8137-9DF3F51BA10A}">
-      <p15:sldGuideLst xmlns:p15="http://schemas.microsoft.com/office/powerpoint/2012/main" xmlns=""/>
+      <p15:sldGuideLst xmlns="" xmlns:p15="http://schemas.microsoft.com/office/powerpoint/2012/main"/>
     </p:ext>
   </p:extLst>
 </p:presentation>
@@ -614,7 +614,7 @@
           <p:cNvPr id="2" name="Title 1">
             <a:extLst>
               <a:ext uri="{FF2B5EF4-FFF2-40B4-BE49-F238E27FC236}">
-                <a16:creationId xmlns:a16="http://schemas.microsoft.com/office/drawing/2014/main" xmlns="" id="{B367C3EC-5585-4AC8-A6F2-B25AB764D7D7}"/>
+                <a16:creationId xmlns="" xmlns:a16="http://schemas.microsoft.com/office/drawing/2014/main" id="{B367C3EC-5585-4AC8-A6F2-B25AB764D7D7}"/>
               </a:ext>
             </a:extLst>
           </p:cNvPr>
@@ -651,7 +651,7 @@
           <p:cNvPr id="3" name="Subtitle 2">
             <a:extLst>
               <a:ext uri="{FF2B5EF4-FFF2-40B4-BE49-F238E27FC236}">
-                <a16:creationId xmlns:a16="http://schemas.microsoft.com/office/drawing/2014/main" xmlns="" id="{AB8C25C6-8111-4B9F-A921-D738F8DD566C}"/>
+                <a16:creationId xmlns="" xmlns:a16="http://schemas.microsoft.com/office/drawing/2014/main" id="{AB8C25C6-8111-4B9F-A921-D738F8DD566C}"/>
               </a:ext>
             </a:extLst>
           </p:cNvPr>
@@ -721,7 +721,7 @@
           <p:cNvPr id="4" name="Date Placeholder 3">
             <a:extLst>
               <a:ext uri="{FF2B5EF4-FFF2-40B4-BE49-F238E27FC236}">
-                <a16:creationId xmlns:a16="http://schemas.microsoft.com/office/drawing/2014/main" xmlns="" id="{1DD431EA-1468-44BA-B51F-913AC6E36206}"/>
+                <a16:creationId xmlns="" xmlns:a16="http://schemas.microsoft.com/office/drawing/2014/main" id="{1DD431EA-1468-44BA-B51F-913AC6E36206}"/>
               </a:ext>
             </a:extLst>
           </p:cNvPr>
@@ -750,7 +750,7 @@
           <p:cNvPr id="5" name="Footer Placeholder 4">
             <a:extLst>
               <a:ext uri="{FF2B5EF4-FFF2-40B4-BE49-F238E27FC236}">
-                <a16:creationId xmlns:a16="http://schemas.microsoft.com/office/drawing/2014/main" xmlns="" id="{92D60234-D05A-41E9-AF16-92F90687BA93}"/>
+                <a16:creationId xmlns="" xmlns:a16="http://schemas.microsoft.com/office/drawing/2014/main" id="{92D60234-D05A-41E9-AF16-92F90687BA93}"/>
               </a:ext>
             </a:extLst>
           </p:cNvPr>
@@ -775,7 +775,7 @@
           <p:cNvPr id="6" name="Slide Number Placeholder 5">
             <a:extLst>
               <a:ext uri="{FF2B5EF4-FFF2-40B4-BE49-F238E27FC236}">
-                <a16:creationId xmlns:a16="http://schemas.microsoft.com/office/drawing/2014/main" xmlns="" id="{26EBC0D6-ED31-4278-92E9-5BDD6361CFC8}"/>
+                <a16:creationId xmlns="" xmlns:a16="http://schemas.microsoft.com/office/drawing/2014/main" id="{26EBC0D6-ED31-4278-92E9-5BDD6361CFC8}"/>
               </a:ext>
             </a:extLst>
           </p:cNvPr>
@@ -834,7 +834,7 @@
           <p:cNvPr id="2" name="Title 1">
             <a:extLst>
               <a:ext uri="{FF2B5EF4-FFF2-40B4-BE49-F238E27FC236}">
-                <a16:creationId xmlns:a16="http://schemas.microsoft.com/office/drawing/2014/main" xmlns="" id="{AF894B93-2F61-4264-B20E-6EB98077C5B7}"/>
+                <a16:creationId xmlns="" xmlns:a16="http://schemas.microsoft.com/office/drawing/2014/main" id="{AF894B93-2F61-4264-B20E-6EB98077C5B7}"/>
               </a:ext>
             </a:extLst>
           </p:cNvPr>
@@ -862,7 +862,7 @@
           <p:cNvPr id="3" name="Vertical Text Placeholder 2">
             <a:extLst>
               <a:ext uri="{FF2B5EF4-FFF2-40B4-BE49-F238E27FC236}">
-                <a16:creationId xmlns:a16="http://schemas.microsoft.com/office/drawing/2014/main" xmlns="" id="{2836D04B-626E-472B-B878-4653C272D205}"/>
+                <a16:creationId xmlns="" xmlns:a16="http://schemas.microsoft.com/office/drawing/2014/main" id="{2836D04B-626E-472B-B878-4653C272D205}"/>
               </a:ext>
             </a:extLst>
           </p:cNvPr>
@@ -919,7 +919,7 @@
           <p:cNvPr id="4" name="Date Placeholder 3">
             <a:extLst>
               <a:ext uri="{FF2B5EF4-FFF2-40B4-BE49-F238E27FC236}">
-                <a16:creationId xmlns:a16="http://schemas.microsoft.com/office/drawing/2014/main" xmlns="" id="{8E652A10-6735-4B2A-9B61-CCD50E6F0E05}"/>
+                <a16:creationId xmlns="" xmlns:a16="http://schemas.microsoft.com/office/drawing/2014/main" id="{8E652A10-6735-4B2A-9B61-CCD50E6F0E05}"/>
               </a:ext>
             </a:extLst>
           </p:cNvPr>
@@ -948,7 +948,7 @@
           <p:cNvPr id="5" name="Footer Placeholder 4">
             <a:extLst>
               <a:ext uri="{FF2B5EF4-FFF2-40B4-BE49-F238E27FC236}">
-                <a16:creationId xmlns:a16="http://schemas.microsoft.com/office/drawing/2014/main" xmlns="" id="{7CD61176-57A5-4293-AF22-102041DBD607}"/>
+                <a16:creationId xmlns="" xmlns:a16="http://schemas.microsoft.com/office/drawing/2014/main" id="{7CD61176-57A5-4293-AF22-102041DBD607}"/>
               </a:ext>
             </a:extLst>
           </p:cNvPr>
@@ -973,7 +973,7 @@
           <p:cNvPr id="6" name="Slide Number Placeholder 5">
             <a:extLst>
               <a:ext uri="{FF2B5EF4-FFF2-40B4-BE49-F238E27FC236}">
-                <a16:creationId xmlns:a16="http://schemas.microsoft.com/office/drawing/2014/main" xmlns="" id="{2140BE85-525B-472A-A0F2-0F943F19E45E}"/>
+                <a16:creationId xmlns="" xmlns:a16="http://schemas.microsoft.com/office/drawing/2014/main" id="{2140BE85-525B-472A-A0F2-0F943F19E45E}"/>
               </a:ext>
             </a:extLst>
           </p:cNvPr>
@@ -1032,7 +1032,7 @@
           <p:cNvPr id="2" name="Vertical Title 1">
             <a:extLst>
               <a:ext uri="{FF2B5EF4-FFF2-40B4-BE49-F238E27FC236}">
-                <a16:creationId xmlns:a16="http://schemas.microsoft.com/office/drawing/2014/main" xmlns="" id="{61CE9875-EDAD-426E-9866-42955958D0C1}"/>
+                <a16:creationId xmlns="" xmlns:a16="http://schemas.microsoft.com/office/drawing/2014/main" id="{61CE9875-EDAD-426E-9866-42955958D0C1}"/>
               </a:ext>
             </a:extLst>
           </p:cNvPr>
@@ -1065,7 +1065,7 @@
           <p:cNvPr id="3" name="Vertical Text Placeholder 2">
             <a:extLst>
               <a:ext uri="{FF2B5EF4-FFF2-40B4-BE49-F238E27FC236}">
-                <a16:creationId xmlns:a16="http://schemas.microsoft.com/office/drawing/2014/main" xmlns="" id="{AE1F6E36-74F2-45FD-8263-8A92E6262B65}"/>
+                <a16:creationId xmlns="" xmlns:a16="http://schemas.microsoft.com/office/drawing/2014/main" id="{AE1F6E36-74F2-45FD-8263-8A92E6262B65}"/>
               </a:ext>
             </a:extLst>
           </p:cNvPr>
@@ -1127,7 +1127,7 @@
           <p:cNvPr id="4" name="Date Placeholder 3">
             <a:extLst>
               <a:ext uri="{FF2B5EF4-FFF2-40B4-BE49-F238E27FC236}">
-                <a16:creationId xmlns:a16="http://schemas.microsoft.com/office/drawing/2014/main" xmlns="" id="{8C746312-04EB-471F-A8AB-3909ABBF8B21}"/>
+                <a16:creationId xmlns="" xmlns:a16="http://schemas.microsoft.com/office/drawing/2014/main" id="{8C746312-04EB-471F-A8AB-3909ABBF8B21}"/>
               </a:ext>
             </a:extLst>
           </p:cNvPr>
@@ -1156,7 +1156,7 @@
           <p:cNvPr id="5" name="Footer Placeholder 4">
             <a:extLst>
               <a:ext uri="{FF2B5EF4-FFF2-40B4-BE49-F238E27FC236}">
-                <a16:creationId xmlns:a16="http://schemas.microsoft.com/office/drawing/2014/main" xmlns="" id="{BEEF6DF8-E865-4224-B164-944608204241}"/>
+                <a16:creationId xmlns="" xmlns:a16="http://schemas.microsoft.com/office/drawing/2014/main" id="{BEEF6DF8-E865-4224-B164-944608204241}"/>
               </a:ext>
             </a:extLst>
           </p:cNvPr>
@@ -1181,7 +1181,7 @@
           <p:cNvPr id="6" name="Slide Number Placeholder 5">
             <a:extLst>
               <a:ext uri="{FF2B5EF4-FFF2-40B4-BE49-F238E27FC236}">
-                <a16:creationId xmlns:a16="http://schemas.microsoft.com/office/drawing/2014/main" xmlns="" id="{E8254AE3-4A3D-4757-8663-5939A764382E}"/>
+                <a16:creationId xmlns="" xmlns:a16="http://schemas.microsoft.com/office/drawing/2014/main" id="{E8254AE3-4A3D-4757-8663-5939A764382E}"/>
               </a:ext>
             </a:extLst>
           </p:cNvPr>
@@ -1240,7 +1240,7 @@
           <p:cNvPr id="2" name="Title 1">
             <a:extLst>
               <a:ext uri="{FF2B5EF4-FFF2-40B4-BE49-F238E27FC236}">
-                <a16:creationId xmlns:a16="http://schemas.microsoft.com/office/drawing/2014/main" xmlns="" id="{502E78FF-E4CA-4198-B4C6-3ED3E56C5D4D}"/>
+                <a16:creationId xmlns="" xmlns:a16="http://schemas.microsoft.com/office/drawing/2014/main" id="{502E78FF-E4CA-4198-B4C6-3ED3E56C5D4D}"/>
               </a:ext>
             </a:extLst>
           </p:cNvPr>
@@ -1268,7 +1268,7 @@
           <p:cNvPr id="3" name="Content Placeholder 2">
             <a:extLst>
               <a:ext uri="{FF2B5EF4-FFF2-40B4-BE49-F238E27FC236}">
-                <a16:creationId xmlns:a16="http://schemas.microsoft.com/office/drawing/2014/main" xmlns="" id="{FAA3E7AC-6E1A-4CF6-9FF4-29608A5B86CA}"/>
+                <a16:creationId xmlns="" xmlns:a16="http://schemas.microsoft.com/office/drawing/2014/main" id="{FAA3E7AC-6E1A-4CF6-9FF4-29608A5B86CA}"/>
               </a:ext>
             </a:extLst>
           </p:cNvPr>
@@ -1325,7 +1325,7 @@
           <p:cNvPr id="4" name="Date Placeholder 3">
             <a:extLst>
               <a:ext uri="{FF2B5EF4-FFF2-40B4-BE49-F238E27FC236}">
-                <a16:creationId xmlns:a16="http://schemas.microsoft.com/office/drawing/2014/main" xmlns="" id="{BFA81DEB-0058-42C3-9BE4-615CEDBC1DAB}"/>
+                <a16:creationId xmlns="" xmlns:a16="http://schemas.microsoft.com/office/drawing/2014/main" id="{BFA81DEB-0058-42C3-9BE4-615CEDBC1DAB}"/>
               </a:ext>
             </a:extLst>
           </p:cNvPr>
@@ -1354,7 +1354,7 @@
           <p:cNvPr id="5" name="Footer Placeholder 4">
             <a:extLst>
               <a:ext uri="{FF2B5EF4-FFF2-40B4-BE49-F238E27FC236}">
-                <a16:creationId xmlns:a16="http://schemas.microsoft.com/office/drawing/2014/main" xmlns="" id="{3E0DF55F-2953-4981-94E8-A99548E5C0E5}"/>
+                <a16:creationId xmlns="" xmlns:a16="http://schemas.microsoft.com/office/drawing/2014/main" id="{3E0DF55F-2953-4981-94E8-A99548E5C0E5}"/>
               </a:ext>
             </a:extLst>
           </p:cNvPr>
@@ -1379,7 +1379,7 @@
           <p:cNvPr id="6" name="Slide Number Placeholder 5">
             <a:extLst>
               <a:ext uri="{FF2B5EF4-FFF2-40B4-BE49-F238E27FC236}">
-                <a16:creationId xmlns:a16="http://schemas.microsoft.com/office/drawing/2014/main" xmlns="" id="{4339CCE5-C127-4F21-8C9A-B7BC7CF2038A}"/>
+                <a16:creationId xmlns="" xmlns:a16="http://schemas.microsoft.com/office/drawing/2014/main" id="{4339CCE5-C127-4F21-8C9A-B7BC7CF2038A}"/>
               </a:ext>
             </a:extLst>
           </p:cNvPr>
@@ -1438,7 +1438,7 @@
           <p:cNvPr id="2" name="Title 1">
             <a:extLst>
               <a:ext uri="{FF2B5EF4-FFF2-40B4-BE49-F238E27FC236}">
-                <a16:creationId xmlns:a16="http://schemas.microsoft.com/office/drawing/2014/main" xmlns="" id="{2864D42C-71FD-4C31-B84F-F3D8797075E9}"/>
+                <a16:creationId xmlns="" xmlns:a16="http://schemas.microsoft.com/office/drawing/2014/main" id="{2864D42C-71FD-4C31-B84F-F3D8797075E9}"/>
               </a:ext>
             </a:extLst>
           </p:cNvPr>
@@ -1475,7 +1475,7 @@
           <p:cNvPr id="3" name="Text Placeholder 2">
             <a:extLst>
               <a:ext uri="{FF2B5EF4-FFF2-40B4-BE49-F238E27FC236}">
-                <a16:creationId xmlns:a16="http://schemas.microsoft.com/office/drawing/2014/main" xmlns="" id="{5A3BFFD7-C354-45EA-AD10-B4051D9032C9}"/>
+                <a16:creationId xmlns="" xmlns:a16="http://schemas.microsoft.com/office/drawing/2014/main" id="{5A3BFFD7-C354-45EA-AD10-B4051D9032C9}"/>
               </a:ext>
             </a:extLst>
           </p:cNvPr>
@@ -1600,7 +1600,7 @@
           <p:cNvPr id="4" name="Date Placeholder 3">
             <a:extLst>
               <a:ext uri="{FF2B5EF4-FFF2-40B4-BE49-F238E27FC236}">
-                <a16:creationId xmlns:a16="http://schemas.microsoft.com/office/drawing/2014/main" xmlns="" id="{D7130242-D5D2-405C-9BFA-72811C202E2F}"/>
+                <a16:creationId xmlns="" xmlns:a16="http://schemas.microsoft.com/office/drawing/2014/main" id="{D7130242-D5D2-405C-9BFA-72811C202E2F}"/>
               </a:ext>
             </a:extLst>
           </p:cNvPr>
@@ -1629,7 +1629,7 @@
           <p:cNvPr id="5" name="Footer Placeholder 4">
             <a:extLst>
               <a:ext uri="{FF2B5EF4-FFF2-40B4-BE49-F238E27FC236}">
-                <a16:creationId xmlns:a16="http://schemas.microsoft.com/office/drawing/2014/main" xmlns="" id="{294EE19E-1001-46FB-BD74-EF5B2A402EAC}"/>
+                <a16:creationId xmlns="" xmlns:a16="http://schemas.microsoft.com/office/drawing/2014/main" id="{294EE19E-1001-46FB-BD74-EF5B2A402EAC}"/>
               </a:ext>
             </a:extLst>
           </p:cNvPr>
@@ -1654,7 +1654,7 @@
           <p:cNvPr id="6" name="Slide Number Placeholder 5">
             <a:extLst>
               <a:ext uri="{FF2B5EF4-FFF2-40B4-BE49-F238E27FC236}">
-                <a16:creationId xmlns:a16="http://schemas.microsoft.com/office/drawing/2014/main" xmlns="" id="{C468C8DD-626F-4393-BE8F-585273F44B2A}"/>
+                <a16:creationId xmlns="" xmlns:a16="http://schemas.microsoft.com/office/drawing/2014/main" id="{C468C8DD-626F-4393-BE8F-585273F44B2A}"/>
               </a:ext>
             </a:extLst>
           </p:cNvPr>
@@ -1713,7 +1713,7 @@
           <p:cNvPr id="2" name="Title 1">
             <a:extLst>
               <a:ext uri="{FF2B5EF4-FFF2-40B4-BE49-F238E27FC236}">
-                <a16:creationId xmlns:a16="http://schemas.microsoft.com/office/drawing/2014/main" xmlns="" id="{796EF42F-966F-43E2-B7B4-12F2AE7073E7}"/>
+                <a16:creationId xmlns="" xmlns:a16="http://schemas.microsoft.com/office/drawing/2014/main" id="{796EF42F-966F-43E2-B7B4-12F2AE7073E7}"/>
               </a:ext>
             </a:extLst>
           </p:cNvPr>
@@ -1741,7 +1741,7 @@
           <p:cNvPr id="3" name="Content Placeholder 2">
             <a:extLst>
               <a:ext uri="{FF2B5EF4-FFF2-40B4-BE49-F238E27FC236}">
-                <a16:creationId xmlns:a16="http://schemas.microsoft.com/office/drawing/2014/main" xmlns="" id="{84ADFBD9-1008-470B-8A33-843EC8C1DBFB}"/>
+                <a16:creationId xmlns="" xmlns:a16="http://schemas.microsoft.com/office/drawing/2014/main" id="{84ADFBD9-1008-470B-8A33-843EC8C1DBFB}"/>
               </a:ext>
             </a:extLst>
           </p:cNvPr>
@@ -1803,7 +1803,7 @@
           <p:cNvPr id="4" name="Content Placeholder 3">
             <a:extLst>
               <a:ext uri="{FF2B5EF4-FFF2-40B4-BE49-F238E27FC236}">
-                <a16:creationId xmlns:a16="http://schemas.microsoft.com/office/drawing/2014/main" xmlns="" id="{F2B86E1C-F14B-4CBB-8724-6EFA2D4396DA}"/>
+                <a16:creationId xmlns="" xmlns:a16="http://schemas.microsoft.com/office/drawing/2014/main" id="{F2B86E1C-F14B-4CBB-8724-6EFA2D4396DA}"/>
               </a:ext>
             </a:extLst>
           </p:cNvPr>
@@ -1865,7 +1865,7 @@
           <p:cNvPr id="5" name="Date Placeholder 4">
             <a:extLst>
               <a:ext uri="{FF2B5EF4-FFF2-40B4-BE49-F238E27FC236}">
-                <a16:creationId xmlns:a16="http://schemas.microsoft.com/office/drawing/2014/main" xmlns="" id="{76DBE1B0-92FD-4C7F-820C-3A3DE27FB150}"/>
+                <a16:creationId xmlns="" xmlns:a16="http://schemas.microsoft.com/office/drawing/2014/main" id="{76DBE1B0-92FD-4C7F-820C-3A3DE27FB150}"/>
               </a:ext>
             </a:extLst>
           </p:cNvPr>
@@ -1894,7 +1894,7 @@
           <p:cNvPr id="6" name="Footer Placeholder 5">
             <a:extLst>
               <a:ext uri="{FF2B5EF4-FFF2-40B4-BE49-F238E27FC236}">
-                <a16:creationId xmlns:a16="http://schemas.microsoft.com/office/drawing/2014/main" xmlns="" id="{FD52CB47-48CF-4C13-881C-92E42A6526CB}"/>
+                <a16:creationId xmlns="" xmlns:a16="http://schemas.microsoft.com/office/drawing/2014/main" id="{FD52CB47-48CF-4C13-881C-92E42A6526CB}"/>
               </a:ext>
             </a:extLst>
           </p:cNvPr>
@@ -1919,7 +1919,7 @@
           <p:cNvPr id="7" name="Slide Number Placeholder 6">
             <a:extLst>
               <a:ext uri="{FF2B5EF4-FFF2-40B4-BE49-F238E27FC236}">
-                <a16:creationId xmlns:a16="http://schemas.microsoft.com/office/drawing/2014/main" xmlns="" id="{0D27AE5F-7F67-4787-A300-811B0D4884C6}"/>
+                <a16:creationId xmlns="" xmlns:a16="http://schemas.microsoft.com/office/drawing/2014/main" id="{0D27AE5F-7F67-4787-A300-811B0D4884C6}"/>
               </a:ext>
             </a:extLst>
           </p:cNvPr>
@@ -1978,7 +1978,7 @@
           <p:cNvPr id="2" name="Title 1">
             <a:extLst>
               <a:ext uri="{FF2B5EF4-FFF2-40B4-BE49-F238E27FC236}">
-                <a16:creationId xmlns:a16="http://schemas.microsoft.com/office/drawing/2014/main" xmlns="" id="{E3495EF0-E5AC-49E9-B4D1-D08627AC6DCF}"/>
+                <a16:creationId xmlns="" xmlns:a16="http://schemas.microsoft.com/office/drawing/2014/main" id="{E3495EF0-E5AC-49E9-B4D1-D08627AC6DCF}"/>
               </a:ext>
             </a:extLst>
           </p:cNvPr>
@@ -2011,7 +2011,7 @@
           <p:cNvPr id="3" name="Text Placeholder 2">
             <a:extLst>
               <a:ext uri="{FF2B5EF4-FFF2-40B4-BE49-F238E27FC236}">
-                <a16:creationId xmlns:a16="http://schemas.microsoft.com/office/drawing/2014/main" xmlns="" id="{37AE2FF9-6342-4DE5-B078-6EE2A48A0E07}"/>
+                <a16:creationId xmlns="" xmlns:a16="http://schemas.microsoft.com/office/drawing/2014/main" id="{37AE2FF9-6342-4DE5-B078-6EE2A48A0E07}"/>
               </a:ext>
             </a:extLst>
           </p:cNvPr>
@@ -2082,7 +2082,7 @@
           <p:cNvPr id="4" name="Content Placeholder 3">
             <a:extLst>
               <a:ext uri="{FF2B5EF4-FFF2-40B4-BE49-F238E27FC236}">
-                <a16:creationId xmlns:a16="http://schemas.microsoft.com/office/drawing/2014/main" xmlns="" id="{251F6200-0DE6-44BC-8AAD-BBBDA18C62A8}"/>
+                <a16:creationId xmlns="" xmlns:a16="http://schemas.microsoft.com/office/drawing/2014/main" id="{251F6200-0DE6-44BC-8AAD-BBBDA18C62A8}"/>
               </a:ext>
             </a:extLst>
           </p:cNvPr>
@@ -2144,7 +2144,7 @@
           <p:cNvPr id="5" name="Text Placeholder 4">
             <a:extLst>
               <a:ext uri="{FF2B5EF4-FFF2-40B4-BE49-F238E27FC236}">
-                <a16:creationId xmlns:a16="http://schemas.microsoft.com/office/drawing/2014/main" xmlns="" id="{3BF9CD95-526E-40B6-AE87-1AA2F6E0BF44}"/>
+                <a16:creationId xmlns="" xmlns:a16="http://schemas.microsoft.com/office/drawing/2014/main" id="{3BF9CD95-526E-40B6-AE87-1AA2F6E0BF44}"/>
               </a:ext>
             </a:extLst>
           </p:cNvPr>
@@ -2215,7 +2215,7 @@
           <p:cNvPr id="6" name="Content Placeholder 5">
             <a:extLst>
               <a:ext uri="{FF2B5EF4-FFF2-40B4-BE49-F238E27FC236}">
-                <a16:creationId xmlns:a16="http://schemas.microsoft.com/office/drawing/2014/main" xmlns="" id="{3B061D5B-41EE-41BE-84AA-A6BBEA84D171}"/>
+                <a16:creationId xmlns="" xmlns:a16="http://schemas.microsoft.com/office/drawing/2014/main" id="{3B061D5B-41EE-41BE-84AA-A6BBEA84D171}"/>
               </a:ext>
             </a:extLst>
           </p:cNvPr>
@@ -2277,7 +2277,7 @@
           <p:cNvPr id="7" name="Date Placeholder 6">
             <a:extLst>
               <a:ext uri="{FF2B5EF4-FFF2-40B4-BE49-F238E27FC236}">
-                <a16:creationId xmlns:a16="http://schemas.microsoft.com/office/drawing/2014/main" xmlns="" id="{8A1949A5-FBCB-4A09-8165-5E96EC105A73}"/>
+                <a16:creationId xmlns="" xmlns:a16="http://schemas.microsoft.com/office/drawing/2014/main" id="{8A1949A5-FBCB-4A09-8165-5E96EC105A73}"/>
               </a:ext>
             </a:extLst>
           </p:cNvPr>
@@ -2306,7 +2306,7 @@
           <p:cNvPr id="8" name="Footer Placeholder 7">
             <a:extLst>
               <a:ext uri="{FF2B5EF4-FFF2-40B4-BE49-F238E27FC236}">
-                <a16:creationId xmlns:a16="http://schemas.microsoft.com/office/drawing/2014/main" xmlns="" id="{469986F7-FDDF-4EED-9BD2-48DD518428A2}"/>
+                <a16:creationId xmlns="" xmlns:a16="http://schemas.microsoft.com/office/drawing/2014/main" id="{469986F7-FDDF-4EED-9BD2-48DD518428A2}"/>
               </a:ext>
             </a:extLst>
           </p:cNvPr>
@@ -2331,7 +2331,7 @@
           <p:cNvPr id="9" name="Slide Number Placeholder 8">
             <a:extLst>
               <a:ext uri="{FF2B5EF4-FFF2-40B4-BE49-F238E27FC236}">
-                <a16:creationId xmlns:a16="http://schemas.microsoft.com/office/drawing/2014/main" xmlns="" id="{F802DC8F-550C-4C6B-AF66-1FA25B6DC048}"/>
+                <a16:creationId xmlns="" xmlns:a16="http://schemas.microsoft.com/office/drawing/2014/main" id="{F802DC8F-550C-4C6B-AF66-1FA25B6DC048}"/>
               </a:ext>
             </a:extLst>
           </p:cNvPr>
@@ -2390,7 +2390,7 @@
           <p:cNvPr id="2" name="Title 1">
             <a:extLst>
               <a:ext uri="{FF2B5EF4-FFF2-40B4-BE49-F238E27FC236}">
-                <a16:creationId xmlns:a16="http://schemas.microsoft.com/office/drawing/2014/main" xmlns="" id="{96B567E1-1EB8-42D1-B844-83A103EE23E0}"/>
+                <a16:creationId xmlns="" xmlns:a16="http://schemas.microsoft.com/office/drawing/2014/main" id="{96B567E1-1EB8-42D1-B844-83A103EE23E0}"/>
               </a:ext>
             </a:extLst>
           </p:cNvPr>
@@ -2418,7 +2418,7 @@
           <p:cNvPr id="3" name="Date Placeholder 2">
             <a:extLst>
               <a:ext uri="{FF2B5EF4-FFF2-40B4-BE49-F238E27FC236}">
-                <a16:creationId xmlns:a16="http://schemas.microsoft.com/office/drawing/2014/main" xmlns="" id="{F8F2B5A9-D965-4649-97A7-4E13BA5A0238}"/>
+                <a16:creationId xmlns="" xmlns:a16="http://schemas.microsoft.com/office/drawing/2014/main" id="{F8F2B5A9-D965-4649-97A7-4E13BA5A0238}"/>
               </a:ext>
             </a:extLst>
           </p:cNvPr>
@@ -2447,7 +2447,7 @@
           <p:cNvPr id="4" name="Footer Placeholder 3">
             <a:extLst>
               <a:ext uri="{FF2B5EF4-FFF2-40B4-BE49-F238E27FC236}">
-                <a16:creationId xmlns:a16="http://schemas.microsoft.com/office/drawing/2014/main" xmlns="" id="{BE484B11-B155-461A-B199-CE329C9FB0DA}"/>
+                <a16:creationId xmlns="" xmlns:a16="http://schemas.microsoft.com/office/drawing/2014/main" id="{BE484B11-B155-461A-B199-CE329C9FB0DA}"/>
               </a:ext>
             </a:extLst>
           </p:cNvPr>
@@ -2472,7 +2472,7 @@
           <p:cNvPr id="5" name="Slide Number Placeholder 4">
             <a:extLst>
               <a:ext uri="{FF2B5EF4-FFF2-40B4-BE49-F238E27FC236}">
-                <a16:creationId xmlns:a16="http://schemas.microsoft.com/office/drawing/2014/main" xmlns="" id="{7468B254-2551-4C78-A62E-77E2ED00741C}"/>
+                <a16:creationId xmlns="" xmlns:a16="http://schemas.microsoft.com/office/drawing/2014/main" id="{7468B254-2551-4C78-A62E-77E2ED00741C}"/>
               </a:ext>
             </a:extLst>
           </p:cNvPr>
@@ -2531,7 +2531,7 @@
           <p:cNvPr id="2" name="Date Placeholder 1">
             <a:extLst>
               <a:ext uri="{FF2B5EF4-FFF2-40B4-BE49-F238E27FC236}">
-                <a16:creationId xmlns:a16="http://schemas.microsoft.com/office/drawing/2014/main" xmlns="" id="{EB2B2BFE-5D11-419F-8233-23754612F2D6}"/>
+                <a16:creationId xmlns="" xmlns:a16="http://schemas.microsoft.com/office/drawing/2014/main" id="{EB2B2BFE-5D11-419F-8233-23754612F2D6}"/>
               </a:ext>
             </a:extLst>
           </p:cNvPr>
@@ -2560,7 +2560,7 @@
           <p:cNvPr id="3" name="Footer Placeholder 2">
             <a:extLst>
               <a:ext uri="{FF2B5EF4-FFF2-40B4-BE49-F238E27FC236}">
-                <a16:creationId xmlns:a16="http://schemas.microsoft.com/office/drawing/2014/main" xmlns="" id="{3D50FEF1-F376-408E-8900-6C0C9D55D23D}"/>
+                <a16:creationId xmlns="" xmlns:a16="http://schemas.microsoft.com/office/drawing/2014/main" id="{3D50FEF1-F376-408E-8900-6C0C9D55D23D}"/>
               </a:ext>
             </a:extLst>
           </p:cNvPr>
@@ -2585,7 +2585,7 @@
           <p:cNvPr id="4" name="Slide Number Placeholder 3">
             <a:extLst>
               <a:ext uri="{FF2B5EF4-FFF2-40B4-BE49-F238E27FC236}">
-                <a16:creationId xmlns:a16="http://schemas.microsoft.com/office/drawing/2014/main" xmlns="" id="{3EDCF82F-4B67-4B89-9ACC-37DDF800FE3E}"/>
+                <a16:creationId xmlns="" xmlns:a16="http://schemas.microsoft.com/office/drawing/2014/main" id="{3EDCF82F-4B67-4B89-9ACC-37DDF800FE3E}"/>
               </a:ext>
             </a:extLst>
           </p:cNvPr>
@@ -2644,7 +2644,7 @@
           <p:cNvPr id="2" name="Title 1">
             <a:extLst>
               <a:ext uri="{FF2B5EF4-FFF2-40B4-BE49-F238E27FC236}">
-                <a16:creationId xmlns:a16="http://schemas.microsoft.com/office/drawing/2014/main" xmlns="" id="{1554C6AE-CE8C-4989-A886-0E6F743B3CF6}"/>
+                <a16:creationId xmlns="" xmlns:a16="http://schemas.microsoft.com/office/drawing/2014/main" id="{1554C6AE-CE8C-4989-A886-0E6F743B3CF6}"/>
               </a:ext>
             </a:extLst>
           </p:cNvPr>
@@ -2681,7 +2681,7 @@
           <p:cNvPr id="3" name="Content Placeholder 2">
             <a:extLst>
               <a:ext uri="{FF2B5EF4-FFF2-40B4-BE49-F238E27FC236}">
-                <a16:creationId xmlns:a16="http://schemas.microsoft.com/office/drawing/2014/main" xmlns="" id="{B11EE71E-43BE-4BBA-86AF-5B26FFBF7AF3}"/>
+                <a16:creationId xmlns="" xmlns:a16="http://schemas.microsoft.com/office/drawing/2014/main" id="{B11EE71E-43BE-4BBA-86AF-5B26FFBF7AF3}"/>
               </a:ext>
             </a:extLst>
           </p:cNvPr>
@@ -2771,7 +2771,7 @@
           <p:cNvPr id="4" name="Text Placeholder 3">
             <a:extLst>
               <a:ext uri="{FF2B5EF4-FFF2-40B4-BE49-F238E27FC236}">
-                <a16:creationId xmlns:a16="http://schemas.microsoft.com/office/drawing/2014/main" xmlns="" id="{B619DFF4-8F00-4AD6-8183-00916FDEB06C}"/>
+                <a16:creationId xmlns="" xmlns:a16="http://schemas.microsoft.com/office/drawing/2014/main" id="{B619DFF4-8F00-4AD6-8183-00916FDEB06C}"/>
               </a:ext>
             </a:extLst>
           </p:cNvPr>
@@ -2842,7 +2842,7 @@
           <p:cNvPr id="5" name="Date Placeholder 4">
             <a:extLst>
               <a:ext uri="{FF2B5EF4-FFF2-40B4-BE49-F238E27FC236}">
-                <a16:creationId xmlns:a16="http://schemas.microsoft.com/office/drawing/2014/main" xmlns="" id="{32A8CE85-1F04-441F-873E-90A42E2BD471}"/>
+                <a16:creationId xmlns="" xmlns:a16="http://schemas.microsoft.com/office/drawing/2014/main" id="{32A8CE85-1F04-441F-873E-90A42E2BD471}"/>
               </a:ext>
             </a:extLst>
           </p:cNvPr>
@@ -2871,7 +2871,7 @@
           <p:cNvPr id="6" name="Footer Placeholder 5">
             <a:extLst>
               <a:ext uri="{FF2B5EF4-FFF2-40B4-BE49-F238E27FC236}">
-                <a16:creationId xmlns:a16="http://schemas.microsoft.com/office/drawing/2014/main" xmlns="" id="{5B0DF45E-A3B0-443A-AB5A-5A31C709569F}"/>
+                <a16:creationId xmlns="" xmlns:a16="http://schemas.microsoft.com/office/drawing/2014/main" id="{5B0DF45E-A3B0-443A-AB5A-5A31C709569F}"/>
               </a:ext>
             </a:extLst>
           </p:cNvPr>
@@ -2896,7 +2896,7 @@
           <p:cNvPr id="7" name="Slide Number Placeholder 6">
             <a:extLst>
               <a:ext uri="{FF2B5EF4-FFF2-40B4-BE49-F238E27FC236}">
-                <a16:creationId xmlns:a16="http://schemas.microsoft.com/office/drawing/2014/main" xmlns="" id="{9D853ED0-7ED8-4EE0-AFC0-DBDDCA2EFBBA}"/>
+                <a16:creationId xmlns="" xmlns:a16="http://schemas.microsoft.com/office/drawing/2014/main" id="{9D853ED0-7ED8-4EE0-AFC0-DBDDCA2EFBBA}"/>
               </a:ext>
             </a:extLst>
           </p:cNvPr>
@@ -2955,7 +2955,7 @@
           <p:cNvPr id="2" name="Title 1">
             <a:extLst>
               <a:ext uri="{FF2B5EF4-FFF2-40B4-BE49-F238E27FC236}">
-                <a16:creationId xmlns:a16="http://schemas.microsoft.com/office/drawing/2014/main" xmlns="" id="{CC8AC641-D4EB-4D55-986A-86B0B3918C00}"/>
+                <a16:creationId xmlns="" xmlns:a16="http://schemas.microsoft.com/office/drawing/2014/main" id="{CC8AC641-D4EB-4D55-986A-86B0B3918C00}"/>
               </a:ext>
             </a:extLst>
           </p:cNvPr>
@@ -2992,7 +2992,7 @@
           <p:cNvPr id="3" name="Picture Placeholder 2">
             <a:extLst>
               <a:ext uri="{FF2B5EF4-FFF2-40B4-BE49-F238E27FC236}">
-                <a16:creationId xmlns:a16="http://schemas.microsoft.com/office/drawing/2014/main" xmlns="" id="{37D28DEA-AEA2-400B-9919-989E8AD5F05D}"/>
+                <a16:creationId xmlns="" xmlns:a16="http://schemas.microsoft.com/office/drawing/2014/main" id="{37D28DEA-AEA2-400B-9919-989E8AD5F05D}"/>
               </a:ext>
             </a:extLst>
           </p:cNvPr>
@@ -3059,7 +3059,7 @@
           <p:cNvPr id="4" name="Text Placeholder 3">
             <a:extLst>
               <a:ext uri="{FF2B5EF4-FFF2-40B4-BE49-F238E27FC236}">
-                <a16:creationId xmlns:a16="http://schemas.microsoft.com/office/drawing/2014/main" xmlns="" id="{7971FE08-0B62-4384-87D5-07E28D32A149}"/>
+                <a16:creationId xmlns="" xmlns:a16="http://schemas.microsoft.com/office/drawing/2014/main" id="{7971FE08-0B62-4384-87D5-07E28D32A149}"/>
               </a:ext>
             </a:extLst>
           </p:cNvPr>
@@ -3130,7 +3130,7 @@
           <p:cNvPr id="5" name="Date Placeholder 4">
             <a:extLst>
               <a:ext uri="{FF2B5EF4-FFF2-40B4-BE49-F238E27FC236}">
-                <a16:creationId xmlns:a16="http://schemas.microsoft.com/office/drawing/2014/main" xmlns="" id="{7D52C81A-0C56-4E4A-95BA-1AC0429D7EE3}"/>
+                <a16:creationId xmlns="" xmlns:a16="http://schemas.microsoft.com/office/drawing/2014/main" id="{7D52C81A-0C56-4E4A-95BA-1AC0429D7EE3}"/>
               </a:ext>
             </a:extLst>
           </p:cNvPr>
@@ -3159,7 +3159,7 @@
           <p:cNvPr id="6" name="Footer Placeholder 5">
             <a:extLst>
               <a:ext uri="{FF2B5EF4-FFF2-40B4-BE49-F238E27FC236}">
-                <a16:creationId xmlns:a16="http://schemas.microsoft.com/office/drawing/2014/main" xmlns="" id="{E2ACB5E7-C599-4F3B-9A71-DFF778CC2C7E}"/>
+                <a16:creationId xmlns="" xmlns:a16="http://schemas.microsoft.com/office/drawing/2014/main" id="{E2ACB5E7-C599-4F3B-9A71-DFF778CC2C7E}"/>
               </a:ext>
             </a:extLst>
           </p:cNvPr>
@@ -3184,7 +3184,7 @@
           <p:cNvPr id="7" name="Slide Number Placeholder 6">
             <a:extLst>
               <a:ext uri="{FF2B5EF4-FFF2-40B4-BE49-F238E27FC236}">
-                <a16:creationId xmlns:a16="http://schemas.microsoft.com/office/drawing/2014/main" xmlns="" id="{9F0F91EC-E722-4EC9-9AE9-C54AE6FF2AFE}"/>
+                <a16:creationId xmlns="" xmlns:a16="http://schemas.microsoft.com/office/drawing/2014/main" id="{9F0F91EC-E722-4EC9-9AE9-C54AE6FF2AFE}"/>
               </a:ext>
             </a:extLst>
           </p:cNvPr>
@@ -3248,7 +3248,7 @@
           <p:cNvPr id="2" name="Title Placeholder 1">
             <a:extLst>
               <a:ext uri="{FF2B5EF4-FFF2-40B4-BE49-F238E27FC236}">
-                <a16:creationId xmlns:a16="http://schemas.microsoft.com/office/drawing/2014/main" xmlns="" id="{8F659EC6-FEA6-457B-9230-2E57779C4E11}"/>
+                <a16:creationId xmlns="" xmlns:a16="http://schemas.microsoft.com/office/drawing/2014/main" id="{8F659EC6-FEA6-457B-9230-2E57779C4E11}"/>
               </a:ext>
             </a:extLst>
           </p:cNvPr>
@@ -3286,7 +3286,7 @@
           <p:cNvPr id="3" name="Text Placeholder 2">
             <a:extLst>
               <a:ext uri="{FF2B5EF4-FFF2-40B4-BE49-F238E27FC236}">
-                <a16:creationId xmlns:a16="http://schemas.microsoft.com/office/drawing/2014/main" xmlns="" id="{DF36B805-E14C-476E-9C8F-3DCD6B5D09D1}"/>
+                <a16:creationId xmlns="" xmlns:a16="http://schemas.microsoft.com/office/drawing/2014/main" id="{DF36B805-E14C-476E-9C8F-3DCD6B5D09D1}"/>
               </a:ext>
             </a:extLst>
           </p:cNvPr>
@@ -3353,7 +3353,7 @@
           <p:cNvPr id="4" name="Date Placeholder 3">
             <a:extLst>
               <a:ext uri="{FF2B5EF4-FFF2-40B4-BE49-F238E27FC236}">
-                <a16:creationId xmlns:a16="http://schemas.microsoft.com/office/drawing/2014/main" xmlns="" id="{8960C837-5EE5-45C4-8925-0D62BE4CBF82}"/>
+                <a16:creationId xmlns="" xmlns:a16="http://schemas.microsoft.com/office/drawing/2014/main" id="{8960C837-5EE5-45C4-8925-0D62BE4CBF82}"/>
               </a:ext>
             </a:extLst>
           </p:cNvPr>
@@ -3400,7 +3400,7 @@
           <p:cNvPr id="5" name="Footer Placeholder 4">
             <a:extLst>
               <a:ext uri="{FF2B5EF4-FFF2-40B4-BE49-F238E27FC236}">
-                <a16:creationId xmlns:a16="http://schemas.microsoft.com/office/drawing/2014/main" xmlns="" id="{D0E09F35-B65A-4002-A34F-C6C93AEA2E58}"/>
+                <a16:creationId xmlns="" xmlns:a16="http://schemas.microsoft.com/office/drawing/2014/main" id="{D0E09F35-B65A-4002-A34F-C6C93AEA2E58}"/>
               </a:ext>
             </a:extLst>
           </p:cNvPr>
@@ -3443,7 +3443,7 @@
           <p:cNvPr id="6" name="Slide Number Placeholder 5">
             <a:extLst>
               <a:ext uri="{FF2B5EF4-FFF2-40B4-BE49-F238E27FC236}">
-                <a16:creationId xmlns:a16="http://schemas.microsoft.com/office/drawing/2014/main" xmlns="" id="{25FBC99F-E4DC-409D-A93D-1C53DC3C8BA5}"/>
+                <a16:creationId xmlns="" xmlns:a16="http://schemas.microsoft.com/office/drawing/2014/main" id="{25FBC99F-E4DC-409D-A93D-1C53DC3C8BA5}"/>
               </a:ext>
             </a:extLst>
           </p:cNvPr>
@@ -3811,7 +3811,7 @@
           <p:cNvPr id="2" name="Title 1">
             <a:extLst>
               <a:ext uri="{FF2B5EF4-FFF2-40B4-BE49-F238E27FC236}">
-                <a16:creationId xmlns:a16="http://schemas.microsoft.com/office/drawing/2014/main" xmlns="" id="{EE24A7C6-D15D-4332-B05D-83F8014DB5F8}"/>
+                <a16:creationId xmlns="" xmlns:a16="http://schemas.microsoft.com/office/drawing/2014/main" id="{EE24A7C6-D15D-4332-B05D-83F8014DB5F8}"/>
               </a:ext>
             </a:extLst>
           </p:cNvPr>
@@ -3884,7 +3884,7 @@
           <p:cNvPr id="3" name="Subtitle 2">
             <a:extLst>
               <a:ext uri="{FF2B5EF4-FFF2-40B4-BE49-F238E27FC236}">
-                <a16:creationId xmlns:a16="http://schemas.microsoft.com/office/drawing/2014/main" xmlns="" id="{F703F98B-35AE-4E2D-84CC-04BC8E5530DD}"/>
+                <a16:creationId xmlns="" xmlns:a16="http://schemas.microsoft.com/office/drawing/2014/main" id="{F703F98B-35AE-4E2D-84CC-04BC8E5530DD}"/>
               </a:ext>
             </a:extLst>
           </p:cNvPr>
@@ -3996,7 +3996,7 @@
           <p:cNvPr id="4" name="Rectangle: Rounded Corners 3">
             <a:extLst>
               <a:ext uri="{FF2B5EF4-FFF2-40B4-BE49-F238E27FC236}">
-                <a16:creationId xmlns:a16="http://schemas.microsoft.com/office/drawing/2014/main" xmlns="" id="{EF685925-6523-48B4-97DA-B673C3DB0D35}"/>
+                <a16:creationId xmlns="" xmlns:a16="http://schemas.microsoft.com/office/drawing/2014/main" id="{EF685925-6523-48B4-97DA-B673C3DB0D35}"/>
               </a:ext>
             </a:extLst>
           </p:cNvPr>
@@ -4090,7 +4090,7 @@
           <p:cNvPr id="12" name="Picture 11">
             <a:extLst>
               <a:ext uri="{FF2B5EF4-FFF2-40B4-BE49-F238E27FC236}">
-                <a16:creationId xmlns:a16="http://schemas.microsoft.com/office/drawing/2014/main" xmlns="" id="{16B351F7-B1BF-48EC-8094-11FFE4208005}"/>
+                <a16:creationId xmlns="" xmlns:a16="http://schemas.microsoft.com/office/drawing/2014/main" id="{16B351F7-B1BF-48EC-8094-11FFE4208005}"/>
               </a:ext>
             </a:extLst>
           </p:cNvPr>
@@ -4126,7 +4126,7 @@
           <p:cNvPr id="14" name="Content Placeholder 7">
             <a:extLst>
               <a:ext uri="{FF2B5EF4-FFF2-40B4-BE49-F238E27FC236}">
-                <a16:creationId xmlns:a16="http://schemas.microsoft.com/office/drawing/2014/main" xmlns="" id="{6C09156F-E3E8-499C-9058-59471FBE4951}"/>
+                <a16:creationId xmlns="" xmlns:a16="http://schemas.microsoft.com/office/drawing/2014/main" id="{6C09156F-E3E8-499C-9058-59471FBE4951}"/>
               </a:ext>
             </a:extLst>
           </p:cNvPr>
@@ -4162,7 +4162,7 @@
           <p:cNvPr id="15" name="Picture 14">
             <a:extLst>
               <a:ext uri="{FF2B5EF4-FFF2-40B4-BE49-F238E27FC236}">
-                <a16:creationId xmlns:a16="http://schemas.microsoft.com/office/drawing/2014/main" xmlns="" id="{1540C5C1-EFE3-470D-8BE0-9BC60EF15F33}"/>
+                <a16:creationId xmlns="" xmlns:a16="http://schemas.microsoft.com/office/drawing/2014/main" id="{1540C5C1-EFE3-470D-8BE0-9BC60EF15F33}"/>
               </a:ext>
             </a:extLst>
           </p:cNvPr>
@@ -4236,7 +4236,7 @@
           <p:cNvPr id="2" name="Title 1">
             <a:extLst>
               <a:ext uri="{FF2B5EF4-FFF2-40B4-BE49-F238E27FC236}">
-                <a16:creationId xmlns:a16="http://schemas.microsoft.com/office/drawing/2014/main" xmlns="" id="{33E7B080-A0C8-4ACA-BD8F-E4A6B8DEC937}"/>
+                <a16:creationId xmlns="" xmlns:a16="http://schemas.microsoft.com/office/drawing/2014/main" id="{33E7B080-A0C8-4ACA-BD8F-E4A6B8DEC937}"/>
               </a:ext>
             </a:extLst>
           </p:cNvPr>
@@ -4285,7 +4285,7 @@
           <p:cNvPr id="5" name="Content Placeholder 4">
             <a:extLst>
               <a:ext uri="{FF2B5EF4-FFF2-40B4-BE49-F238E27FC236}">
-                <a16:creationId xmlns:a16="http://schemas.microsoft.com/office/drawing/2014/main" xmlns="" id="{11372331-DF39-451A-9EA8-ACABCF057FD0}"/>
+                <a16:creationId xmlns="" xmlns:a16="http://schemas.microsoft.com/office/drawing/2014/main" id="{11372331-DF39-451A-9EA8-ACABCF057FD0}"/>
               </a:ext>
             </a:extLst>
           </p:cNvPr>
@@ -4358,7 +4358,7 @@
           <p:cNvPr id="2" name="Title 1">
             <a:extLst>
               <a:ext uri="{FF2B5EF4-FFF2-40B4-BE49-F238E27FC236}">
-                <a16:creationId xmlns:a16="http://schemas.microsoft.com/office/drawing/2014/main" xmlns="" id="{30A6B863-3BBC-469B-B7E2-CD9991392CBF}"/>
+                <a16:creationId xmlns="" xmlns:a16="http://schemas.microsoft.com/office/drawing/2014/main" id="{30A6B863-3BBC-469B-B7E2-CD9991392CBF}"/>
               </a:ext>
             </a:extLst>
           </p:cNvPr>
@@ -4401,7 +4401,7 @@
           <p:cNvPr id="5" name="Content Placeholder 4">
             <a:extLst>
               <a:ext uri="{FF2B5EF4-FFF2-40B4-BE49-F238E27FC236}">
-                <a16:creationId xmlns:a16="http://schemas.microsoft.com/office/drawing/2014/main" xmlns="" id="{B703E58A-304D-4AD6-A576-F89A40E36D8C}"/>
+                <a16:creationId xmlns="" xmlns:a16="http://schemas.microsoft.com/office/drawing/2014/main" id="{B703E58A-304D-4AD6-A576-F89A40E36D8C}"/>
               </a:ext>
             </a:extLst>
           </p:cNvPr>
@@ -4466,7 +4466,7 @@
           <p:cNvPr id="2" name="Title 1">
             <a:extLst>
               <a:ext uri="{FF2B5EF4-FFF2-40B4-BE49-F238E27FC236}">
-                <a16:creationId xmlns:a16="http://schemas.microsoft.com/office/drawing/2014/main" xmlns="" id="{43213A20-9BF9-4B55-9CF6-97BB55158C41}"/>
+                <a16:creationId xmlns="" xmlns:a16="http://schemas.microsoft.com/office/drawing/2014/main" id="{43213A20-9BF9-4B55-9CF6-97BB55158C41}"/>
               </a:ext>
             </a:extLst>
           </p:cNvPr>
@@ -4504,7 +4504,7 @@
           <p:cNvPr id="5" name="Content Placeholder 4">
             <a:extLst>
               <a:ext uri="{FF2B5EF4-FFF2-40B4-BE49-F238E27FC236}">
-                <a16:creationId xmlns:a16="http://schemas.microsoft.com/office/drawing/2014/main" xmlns="" id="{8408ACBC-9A43-4665-8203-EC83249A7579}"/>
+                <a16:creationId xmlns="" xmlns:a16="http://schemas.microsoft.com/office/drawing/2014/main" id="{8408ACBC-9A43-4665-8203-EC83249A7579}"/>
               </a:ext>
             </a:extLst>
           </p:cNvPr>
@@ -4539,7 +4539,7 @@
           <p:cNvPr id="4" name="Content Placeholder 4">
             <a:extLst>
               <a:ext uri="{FF2B5EF4-FFF2-40B4-BE49-F238E27FC236}">
-                <a16:creationId xmlns:a16="http://schemas.microsoft.com/office/drawing/2014/main" xmlns="" id="{D2BA044F-D4A8-480A-AF31-0C003ACA6C60}"/>
+                <a16:creationId xmlns="" xmlns:a16="http://schemas.microsoft.com/office/drawing/2014/main" id="{D2BA044F-D4A8-480A-AF31-0C003ACA6C60}"/>
               </a:ext>
             </a:extLst>
           </p:cNvPr>
@@ -4605,7 +4605,7 @@
           <p:cNvPr id="2" name="Title 1">
             <a:extLst>
               <a:ext uri="{FF2B5EF4-FFF2-40B4-BE49-F238E27FC236}">
-                <a16:creationId xmlns:a16="http://schemas.microsoft.com/office/drawing/2014/main" xmlns="" id="{FFD2F997-1758-4332-AE02-7CB686BADE09}"/>
+                <a16:creationId xmlns="" xmlns:a16="http://schemas.microsoft.com/office/drawing/2014/main" id="{FFD2F997-1758-4332-AE02-7CB686BADE09}"/>
               </a:ext>
             </a:extLst>
           </p:cNvPr>
@@ -4647,7 +4647,7 @@
           <p:cNvPr id="5" name="Content Placeholder 4">
             <a:extLst>
               <a:ext uri="{FF2B5EF4-FFF2-40B4-BE49-F238E27FC236}">
-                <a16:creationId xmlns:a16="http://schemas.microsoft.com/office/drawing/2014/main" xmlns="" id="{F6AE7DA9-A882-4DD1-B3C3-D322EF9503F1}"/>
+                <a16:creationId xmlns="" xmlns:a16="http://schemas.microsoft.com/office/drawing/2014/main" id="{F6AE7DA9-A882-4DD1-B3C3-D322EF9503F1}"/>
               </a:ext>
             </a:extLst>
           </p:cNvPr>
@@ -4682,7 +4682,7 @@
           <p:cNvPr id="4" name="Content Placeholder 4">
             <a:extLst>
               <a:ext uri="{FF2B5EF4-FFF2-40B4-BE49-F238E27FC236}">
-                <a16:creationId xmlns:a16="http://schemas.microsoft.com/office/drawing/2014/main" xmlns="" id="{599D3630-EC9E-441F-AAB5-A746273E0420}"/>
+                <a16:creationId xmlns="" xmlns:a16="http://schemas.microsoft.com/office/drawing/2014/main" id="{599D3630-EC9E-441F-AAB5-A746273E0420}"/>
               </a:ext>
             </a:extLst>
           </p:cNvPr>
@@ -4718,7 +4718,7 @@
           <p:cNvPr id="14" name="Connector: Curved 13">
             <a:extLst>
               <a:ext uri="{FF2B5EF4-FFF2-40B4-BE49-F238E27FC236}">
-                <a16:creationId xmlns:a16="http://schemas.microsoft.com/office/drawing/2014/main" xmlns="" id="{FE015544-03D9-4E9D-A78A-EDAD44FB4812}"/>
+                <a16:creationId xmlns="" xmlns:a16="http://schemas.microsoft.com/office/drawing/2014/main" id="{FE015544-03D9-4E9D-A78A-EDAD44FB4812}"/>
               </a:ext>
             </a:extLst>
           </p:cNvPr>
@@ -4894,7 +4894,7 @@
           <p:cNvPr id="2" name="Title 1">
             <a:extLst>
               <a:ext uri="{FF2B5EF4-FFF2-40B4-BE49-F238E27FC236}">
-                <a16:creationId xmlns:a16="http://schemas.microsoft.com/office/drawing/2014/main" xmlns="" id="{A1838985-494E-4A03-B055-BE50659ACC79}"/>
+                <a16:creationId xmlns="" xmlns:a16="http://schemas.microsoft.com/office/drawing/2014/main" id="{A1838985-494E-4A03-B055-BE50659ACC79}"/>
               </a:ext>
             </a:extLst>
           </p:cNvPr>
@@ -4937,7 +4937,7 @@
           <p:cNvPr id="5" name="Content Placeholder 4">
             <a:extLst>
               <a:ext uri="{FF2B5EF4-FFF2-40B4-BE49-F238E27FC236}">
-                <a16:creationId xmlns:a16="http://schemas.microsoft.com/office/drawing/2014/main" xmlns="" id="{36E2629B-A001-44E9-B62A-D3E75F4D014B}"/>
+                <a16:creationId xmlns="" xmlns:a16="http://schemas.microsoft.com/office/drawing/2014/main" id="{36E2629B-A001-44E9-B62A-D3E75F4D014B}"/>
               </a:ext>
             </a:extLst>
           </p:cNvPr>
@@ -5002,7 +5002,7 @@
           <p:cNvPr id="2" name="Title 1">
             <a:extLst>
               <a:ext uri="{FF2B5EF4-FFF2-40B4-BE49-F238E27FC236}">
-                <a16:creationId xmlns:a16="http://schemas.microsoft.com/office/drawing/2014/main" xmlns="" id="{966AC55D-DCC9-46D1-9910-9B2AC3D43100}"/>
+                <a16:creationId xmlns="" xmlns:a16="http://schemas.microsoft.com/office/drawing/2014/main" id="{966AC55D-DCC9-46D1-9910-9B2AC3D43100}"/>
               </a:ext>
             </a:extLst>
           </p:cNvPr>
@@ -5040,7 +5040,7 @@
           <p:cNvPr id="7" name="Content Placeholder 4">
             <a:extLst>
               <a:ext uri="{FF2B5EF4-FFF2-40B4-BE49-F238E27FC236}">
-                <a16:creationId xmlns:a16="http://schemas.microsoft.com/office/drawing/2014/main" xmlns="" id="{712937B2-7534-4A98-8F95-8C9C55BBA2C8}"/>
+                <a16:creationId xmlns="" xmlns:a16="http://schemas.microsoft.com/office/drawing/2014/main" id="{712937B2-7534-4A98-8F95-8C9C55BBA2C8}"/>
               </a:ext>
             </a:extLst>
           </p:cNvPr>
@@ -5108,7 +5108,7 @@
           <p:cNvPr id="2" name="Title 1">
             <a:extLst>
               <a:ext uri="{FF2B5EF4-FFF2-40B4-BE49-F238E27FC236}">
-                <a16:creationId xmlns:a16="http://schemas.microsoft.com/office/drawing/2014/main" xmlns="" id="{0E0A9FF9-24F6-415F-B540-A27D1F5832AD}"/>
+                <a16:creationId xmlns="" xmlns:a16="http://schemas.microsoft.com/office/drawing/2014/main" id="{0E0A9FF9-24F6-415F-B540-A27D1F5832AD}"/>
               </a:ext>
             </a:extLst>
           </p:cNvPr>
@@ -5161,7 +5161,7 @@
           <p:cNvPr id="5" name="Content Placeholder 4">
             <a:extLst>
               <a:ext uri="{FF2B5EF4-FFF2-40B4-BE49-F238E27FC236}">
-                <a16:creationId xmlns:a16="http://schemas.microsoft.com/office/drawing/2014/main" xmlns="" id="{279285F0-0030-4256-A1A0-8D45EC694B19}"/>
+                <a16:creationId xmlns="" xmlns:a16="http://schemas.microsoft.com/office/drawing/2014/main" id="{279285F0-0030-4256-A1A0-8D45EC694B19}"/>
               </a:ext>
             </a:extLst>
           </p:cNvPr>
@@ -5196,7 +5196,7 @@
           <p:cNvPr id="4" name="Picture 3">
             <a:extLst>
               <a:ext uri="{FF2B5EF4-FFF2-40B4-BE49-F238E27FC236}">
-                <a16:creationId xmlns:a16="http://schemas.microsoft.com/office/drawing/2014/main" xmlns="" id="{8B68291C-9BDC-429B-BF3A-791FCBA5CDC2}"/>
+                <a16:creationId xmlns="" xmlns:a16="http://schemas.microsoft.com/office/drawing/2014/main" id="{8B68291C-9BDC-429B-BF3A-791FCBA5CDC2}"/>
               </a:ext>
             </a:extLst>
           </p:cNvPr>
@@ -5232,7 +5232,7 @@
           <p:cNvPr id="6" name="Content Placeholder 4">
             <a:extLst>
               <a:ext uri="{FF2B5EF4-FFF2-40B4-BE49-F238E27FC236}">
-                <a16:creationId xmlns:a16="http://schemas.microsoft.com/office/drawing/2014/main" xmlns="" id="{F930A624-B121-4DB6-88B5-9FC5A29967EF}"/>
+                <a16:creationId xmlns="" xmlns:a16="http://schemas.microsoft.com/office/drawing/2014/main" id="{F930A624-B121-4DB6-88B5-9FC5A29967EF}"/>
               </a:ext>
             </a:extLst>
           </p:cNvPr>
@@ -5268,7 +5268,7 @@
           <p:cNvPr id="11" name="Straight Connector 10">
             <a:extLst>
               <a:ext uri="{FF2B5EF4-FFF2-40B4-BE49-F238E27FC236}">
-                <a16:creationId xmlns:a16="http://schemas.microsoft.com/office/drawing/2014/main" xmlns="" id="{FB103A2D-DDEE-4E84-8EF3-0AF37C6DC5D4}"/>
+                <a16:creationId xmlns="" xmlns:a16="http://schemas.microsoft.com/office/drawing/2014/main" id="{FB103A2D-DDEE-4E84-8EF3-0AF37C6DC5D4}"/>
               </a:ext>
             </a:extLst>
           </p:cNvPr>
@@ -5463,7 +5463,7 @@
           <p:cNvPr id="4" name="Title 3">
             <a:extLst>
               <a:ext uri="{FF2B5EF4-FFF2-40B4-BE49-F238E27FC236}">
-                <a16:creationId xmlns:a16="http://schemas.microsoft.com/office/drawing/2014/main" xmlns="" id="{061CF1D1-D5F4-4FEE-BCBB-EA4C40656F90}"/>
+                <a16:creationId xmlns="" xmlns:a16="http://schemas.microsoft.com/office/drawing/2014/main" id="{061CF1D1-D5F4-4FEE-BCBB-EA4C40656F90}"/>
               </a:ext>
             </a:extLst>
           </p:cNvPr>
@@ -5527,7 +5527,7 @@
           <p:cNvPr id="5" name="Text Placeholder 4">
             <a:extLst>
               <a:ext uri="{FF2B5EF4-FFF2-40B4-BE49-F238E27FC236}">
-                <a16:creationId xmlns:a16="http://schemas.microsoft.com/office/drawing/2014/main" xmlns="" id="{85CF0661-6E9D-4B31-B764-23E6ADC611D8}"/>
+                <a16:creationId xmlns="" xmlns:a16="http://schemas.microsoft.com/office/drawing/2014/main" id="{85CF0661-6E9D-4B31-B764-23E6ADC611D8}"/>
               </a:ext>
             </a:extLst>
           </p:cNvPr>
@@ -5567,7 +5567,7 @@
           <p:cNvPr id="6" name="Content Placeholder 5">
             <a:extLst>
               <a:ext uri="{FF2B5EF4-FFF2-40B4-BE49-F238E27FC236}">
-                <a16:creationId xmlns:a16="http://schemas.microsoft.com/office/drawing/2014/main" xmlns="" id="{C4BF7F1E-5C92-429F-B0BD-10AAC85BC239}"/>
+                <a16:creationId xmlns="" xmlns:a16="http://schemas.microsoft.com/office/drawing/2014/main" id="{C4BF7F1E-5C92-429F-B0BD-10AAC85BC239}"/>
               </a:ext>
             </a:extLst>
           </p:cNvPr>
@@ -5611,14 +5611,29 @@
         </p:spPr>
         <p:txBody>
           <a:bodyPr>
-            <a:normAutofit lnSpcReduction="10000"/>
+            <a:normAutofit fontScale="85000" lnSpcReduction="20000"/>
           </a:bodyPr>
           <a:lstStyle/>
           <a:p>
             <a:r>
               <a:rPr lang="en-US" dirty="0"/>
-              <a:t>There is a decrease in the number of crimes of all types from 2001-2017 </a:t>
-            </a:r>
+              <a:t>There is a decrease in the number of crimes of all types from </a:t>
+            </a:r>
+            <a:r>
+              <a:rPr lang="en-US" dirty="0" smtClean="0"/>
+              <a:t>2001-2017</a:t>
+            </a:r>
+          </a:p>
+          <a:p>
+            <a:r>
+              <a:rPr lang="en-US" dirty="0" smtClean="0"/>
+              <a:t>There is a large discrepancy between the number of crimes and the number </a:t>
+            </a:r>
+            <a:r>
+              <a:rPr lang="en-US" smtClean="0"/>
+              <a:t>of arrests.</a:t>
+            </a:r>
+            <a:endParaRPr lang="en-US" dirty="0"/>
           </a:p>
           <a:p>
             <a:r>
@@ -5639,7 +5654,7 @@
           <p:cNvPr id="7" name="Text Placeholder 6">
             <a:extLst>
               <a:ext uri="{FF2B5EF4-FFF2-40B4-BE49-F238E27FC236}">
-                <a16:creationId xmlns:a16="http://schemas.microsoft.com/office/drawing/2014/main" xmlns="" id="{843E3BB6-FEB0-41AD-97DF-DB5F32A9A08E}"/>
+                <a16:creationId xmlns="" xmlns:a16="http://schemas.microsoft.com/office/drawing/2014/main" id="{843E3BB6-FEB0-41AD-97DF-DB5F32A9A08E}"/>
               </a:ext>
             </a:extLst>
           </p:cNvPr>
@@ -5679,7 +5694,7 @@
           <p:cNvPr id="8" name="Content Placeholder 7">
             <a:extLst>
               <a:ext uri="{FF2B5EF4-FFF2-40B4-BE49-F238E27FC236}">
-                <a16:creationId xmlns:a16="http://schemas.microsoft.com/office/drawing/2014/main" xmlns="" id="{7622647B-67C9-4552-8570-C3F1AA84F2DA}"/>
+                <a16:creationId xmlns="" xmlns:a16="http://schemas.microsoft.com/office/drawing/2014/main" id="{7622647B-67C9-4552-8570-C3F1AA84F2DA}"/>
               </a:ext>
             </a:extLst>
           </p:cNvPr>
@@ -6054,7 +6069,7 @@
   <a:extraClrSchemeLst/>
   <a:extLst>
     <a:ext uri="{05A4C25C-085E-4340-85A3-A5531E510DB2}">
-      <thm15:themeFamily xmlns:thm15="http://schemas.microsoft.com/office/thememl/2012/main" xmlns="" name="Office Theme" id="{62F939B6-93AF-4DB8-9C6B-D6C7DFDC589F}" vid="{4A3C46E8-61CC-4603-A589-7422A47A8E4A}"/>
+      <thm15:themeFamily xmlns="" xmlns:thm15="http://schemas.microsoft.com/office/thememl/2012/main" name="Office Theme" id="{62F939B6-93AF-4DB8-9C6B-D6C7DFDC589F}" vid="{4A3C46E8-61CC-4603-A589-7422A47A8E4A}"/>
     </a:ext>
   </a:extLst>
 </a:theme>
@@ -6349,7 +6364,7 @@
   <a:extraClrSchemeLst/>
   <a:extLst>
     <a:ext uri="{05A4C25C-085E-4340-85A3-A5531E510DB2}">
-      <thm15:themeFamily xmlns:thm15="http://schemas.microsoft.com/office/thememl/2012/main" xmlns="" name="Office Theme" id="{62F939B6-93AF-4DB8-9C6B-D6C7DFDC589F}" vid="{4A3C46E8-61CC-4603-A589-7422A47A8E4A}"/>
+      <thm15:themeFamily xmlns="" xmlns:thm15="http://schemas.microsoft.com/office/thememl/2012/main" name="Office Theme" id="{62F939B6-93AF-4DB8-9C6B-D6C7DFDC589F}" vid="{4A3C46E8-61CC-4603-A589-7422A47A8E4A}"/>
     </a:ext>
   </a:extLst>
 </a:theme>
